--- a/5. Wyniki.pptx
+++ b/5. Wyniki.pptx
@@ -208,7 +208,7 @@
           <a:p>
             <a:fld id="{0D84CB0C-8EDB-4AF3-AEBA-98A256375BC5}" type="datetimeFigureOut">
               <a:rPr lang="en-150" smtClean="0"/>
-              <a:t>03/01/2023</a:t>
+              <a:t>25/01/2023</a:t>
             </a:fld>
             <a:endParaRPr lang="en-150"/>
           </a:p>
@@ -729,7 +729,7 @@
           <a:p>
             <a:fld id="{C7D94789-F376-4D52-BFA5-A6775343170F}" type="datetimeFigureOut">
               <a:rPr lang="en-150" smtClean="0"/>
-              <a:t>03/01/2023</a:t>
+              <a:t>25/01/2023</a:t>
             </a:fld>
             <a:endParaRPr lang="en-150"/>
           </a:p>
@@ -1059,7 +1059,7 @@
           <a:p>
             <a:fld id="{C7D94789-F376-4D52-BFA5-A6775343170F}" type="datetimeFigureOut">
               <a:rPr lang="en-150" smtClean="0"/>
-              <a:t>03/01/2023</a:t>
+              <a:t>25/01/2023</a:t>
             </a:fld>
             <a:endParaRPr lang="en-150"/>
           </a:p>
@@ -1239,7 +1239,7 @@
           <a:p>
             <a:fld id="{C7D94789-F376-4D52-BFA5-A6775343170F}" type="datetimeFigureOut">
               <a:rPr lang="en-150" smtClean="0"/>
-              <a:t>03/01/2023</a:t>
+              <a:t>25/01/2023</a:t>
             </a:fld>
             <a:endParaRPr lang="en-150"/>
           </a:p>
@@ -1409,7 +1409,7 @@
           <a:p>
             <a:fld id="{C7D94789-F376-4D52-BFA5-A6775343170F}" type="datetimeFigureOut">
               <a:rPr lang="en-150" smtClean="0"/>
-              <a:t>03/01/2023</a:t>
+              <a:t>25/01/2023</a:t>
             </a:fld>
             <a:endParaRPr lang="en-150"/>
           </a:p>
@@ -1686,7 +1686,7 @@
           <a:p>
             <a:fld id="{C7D94789-F376-4D52-BFA5-A6775343170F}" type="datetimeFigureOut">
               <a:rPr lang="en-150" smtClean="0"/>
-              <a:t>03/01/2023</a:t>
+              <a:t>25/01/2023</a:t>
             </a:fld>
             <a:endParaRPr lang="en-150"/>
           </a:p>
@@ -2080,7 +2080,7 @@
           <a:p>
             <a:fld id="{C7D94789-F376-4D52-BFA5-A6775343170F}" type="datetimeFigureOut">
               <a:rPr lang="en-150" smtClean="0"/>
-              <a:t>03/01/2023</a:t>
+              <a:t>25/01/2023</a:t>
             </a:fld>
             <a:endParaRPr lang="en-150"/>
           </a:p>
@@ -2557,7 +2557,7 @@
           <a:p>
             <a:fld id="{C7D94789-F376-4D52-BFA5-A6775343170F}" type="datetimeFigureOut">
               <a:rPr lang="en-150" smtClean="0"/>
-              <a:t>03/01/2023</a:t>
+              <a:t>25/01/2023</a:t>
             </a:fld>
             <a:endParaRPr lang="en-150"/>
           </a:p>
@@ -2675,7 +2675,7 @@
           <a:p>
             <a:fld id="{C7D94789-F376-4D52-BFA5-A6775343170F}" type="datetimeFigureOut">
               <a:rPr lang="en-150" smtClean="0"/>
-              <a:t>03/01/2023</a:t>
+              <a:t>25/01/2023</a:t>
             </a:fld>
             <a:endParaRPr lang="en-150"/>
           </a:p>
@@ -2770,7 +2770,7 @@
           <a:p>
             <a:fld id="{C7D94789-F376-4D52-BFA5-A6775343170F}" type="datetimeFigureOut">
               <a:rPr lang="en-150" smtClean="0"/>
-              <a:t>03/01/2023</a:t>
+              <a:t>25/01/2023</a:t>
             </a:fld>
             <a:endParaRPr lang="en-150"/>
           </a:p>
@@ -3116,7 +3116,7 @@
           <a:p>
             <a:fld id="{C7D94789-F376-4D52-BFA5-A6775343170F}" type="datetimeFigureOut">
               <a:rPr lang="en-150" smtClean="0"/>
-              <a:t>03/01/2023</a:t>
+              <a:t>25/01/2023</a:t>
             </a:fld>
             <a:endParaRPr lang="en-150"/>
           </a:p>
@@ -3504,7 +3504,7 @@
           <a:p>
             <a:fld id="{C7D94789-F376-4D52-BFA5-A6775343170F}" type="datetimeFigureOut">
               <a:rPr lang="en-150" smtClean="0"/>
-              <a:t>03/01/2023</a:t>
+              <a:t>25/01/2023</a:t>
             </a:fld>
             <a:endParaRPr lang="en-150"/>
           </a:p>
@@ -3782,7 +3782,7 @@
           <a:p>
             <a:fld id="{C7D94789-F376-4D52-BFA5-A6775343170F}" type="datetimeFigureOut">
               <a:rPr lang="en-150" smtClean="0"/>
-              <a:t>03/01/2023</a:t>
+              <a:t>25/01/2023</a:t>
             </a:fld>
             <a:endParaRPr lang="en-150"/>
           </a:p>
@@ -4681,8 +4681,8 @@
         </p:nvSpPr>
         <p:spPr>
           <a:xfrm>
-            <a:off x="1371600" y="1977390"/>
-            <a:ext cx="9601200" cy="4059044"/>
+            <a:off x="1527717" y="1603824"/>
+            <a:ext cx="9601200" cy="4568376"/>
           </a:xfrm>
         </p:spPr>
         <p:txBody>
@@ -5187,6 +5187,137 @@
             <a:r>
               <a:rPr lang="en-US" dirty="0" err="1"/>
               <a:t>dłużej</a:t>
+            </a:r>
+            <a:endParaRPr lang="en-US" dirty="0"/>
+          </a:p>
+          <a:p>
+            <a:r>
+              <a:rPr lang="en-US" dirty="0"/>
+              <a:t>Problem: </a:t>
+            </a:r>
+            <a:r>
+              <a:rPr lang="en-US" dirty="0" err="1"/>
+              <a:t>symulacja</a:t>
+            </a:r>
+            <a:r>
+              <a:rPr lang="en-US" dirty="0"/>
+              <a:t> </a:t>
+            </a:r>
+            <a:r>
+              <a:rPr lang="en-US" dirty="0" err="1"/>
+              <a:t>kończy</a:t>
+            </a:r>
+            <a:r>
+              <a:rPr lang="en-US" dirty="0"/>
+              <a:t> </a:t>
+            </a:r>
+            <a:r>
+              <a:rPr lang="en-US" dirty="0" err="1"/>
+              <a:t>się</a:t>
+            </a:r>
+            <a:r>
+              <a:rPr lang="en-US" dirty="0"/>
+              <a:t> w </a:t>
+            </a:r>
+            <a:r>
+              <a:rPr lang="en-US" dirty="0" err="1"/>
+              <a:t>momencie</a:t>
+            </a:r>
+            <a:r>
+              <a:rPr lang="en-US" dirty="0"/>
+              <a:t> </a:t>
+            </a:r>
+            <a:r>
+              <a:rPr lang="en-US" dirty="0" err="1"/>
+              <a:t>dojechania</a:t>
+            </a:r>
+            <a:r>
+              <a:rPr lang="en-US" dirty="0"/>
+              <a:t> do </a:t>
+            </a:r>
+            <a:r>
+              <a:rPr lang="en-US" dirty="0" err="1"/>
+              <a:t>celu</a:t>
+            </a:r>
+            <a:r>
+              <a:rPr lang="en-US" dirty="0"/>
+              <a:t> </a:t>
+            </a:r>
+            <a:r>
+              <a:rPr lang="en-US" dirty="0" err="1"/>
+              <a:t>ostatniego</a:t>
+            </a:r>
+            <a:r>
+              <a:rPr lang="en-US" dirty="0"/>
+              <a:t> </a:t>
+            </a:r>
+            <a:r>
+              <a:rPr lang="en-US" dirty="0" err="1"/>
+              <a:t>samochodu</a:t>
+            </a:r>
+            <a:r>
+              <a:rPr lang="en-US" dirty="0"/>
+              <a:t>, co </a:t>
+            </a:r>
+            <a:r>
+              <a:rPr lang="en-US" dirty="0" err="1"/>
+              <a:t>sprawia</a:t>
+            </a:r>
+            <a:r>
+              <a:rPr lang="en-US" dirty="0"/>
+              <a:t>, </a:t>
+            </a:r>
+            <a:r>
+              <a:rPr lang="en-US" dirty="0" err="1"/>
+              <a:t>że</a:t>
+            </a:r>
+            <a:r>
+              <a:rPr lang="en-US" dirty="0"/>
+              <a:t> </a:t>
+            </a:r>
+            <a:r>
+              <a:rPr lang="en-US" dirty="0" err="1"/>
+              <a:t>szanse</a:t>
+            </a:r>
+            <a:r>
+              <a:rPr lang="en-US" dirty="0"/>
+              <a:t> </a:t>
+            </a:r>
+            <a:r>
+              <a:rPr lang="en-US" dirty="0" err="1"/>
+              <a:t>poszczególnych</a:t>
+            </a:r>
+            <a:r>
+              <a:rPr lang="en-US" dirty="0"/>
+              <a:t> </a:t>
+            </a:r>
+            <a:r>
+              <a:rPr lang="en-US" dirty="0" err="1"/>
+              <a:t>kierowców</a:t>
+            </a:r>
+            <a:r>
+              <a:rPr lang="en-US" dirty="0"/>
+              <a:t> </a:t>
+            </a:r>
+            <a:r>
+              <a:rPr lang="en-US" dirty="0" err="1"/>
+              <a:t>nie</a:t>
+            </a:r>
+            <a:r>
+              <a:rPr lang="en-US" dirty="0"/>
+              <a:t> </a:t>
+            </a:r>
+            <a:r>
+              <a:rPr lang="en-US" dirty="0" err="1"/>
+              <a:t>są</a:t>
+            </a:r>
+            <a:r>
+              <a:rPr lang="en-US" dirty="0"/>
+              <a:t> </a:t>
+            </a:r>
+            <a:r>
+              <a:rPr lang="en-US" dirty="0" err="1"/>
+              <a:t>równe</a:t>
             </a:r>
             <a:endParaRPr lang="en-150" dirty="0"/>
           </a:p>
@@ -5393,6 +5524,169 @@
           </a:p>
           <a:p>
             <a:r>
+              <a:rPr lang="en-US" dirty="0"/>
+              <a:t>W </a:t>
+            </a:r>
+            <a:r>
+              <a:rPr lang="en-US" dirty="0" err="1"/>
+              <a:t>przypadku</a:t>
+            </a:r>
+            <a:r>
+              <a:rPr lang="en-US" dirty="0"/>
+              <a:t> </a:t>
+            </a:r>
+            <a:r>
+              <a:rPr lang="en-US" dirty="0" err="1"/>
+              <a:t>jednej</a:t>
+            </a:r>
+            <a:r>
+              <a:rPr lang="en-US" dirty="0"/>
+              <a:t> </a:t>
+            </a:r>
+            <a:r>
+              <a:rPr lang="en-US" dirty="0" err="1"/>
+              <a:t>symulacji</a:t>
+            </a:r>
+            <a:r>
+              <a:rPr lang="en-US" dirty="0"/>
+              <a:t> </a:t>
+            </a:r>
+            <a:r>
+              <a:rPr lang="en-US" dirty="0" err="1"/>
+              <a:t>na</a:t>
+            </a:r>
+            <a:r>
+              <a:rPr lang="en-US" dirty="0"/>
+              <a:t> </a:t>
+            </a:r>
+            <a:r>
+              <a:rPr lang="en-US" dirty="0" err="1"/>
+              <a:t>generację</a:t>
+            </a:r>
+            <a:r>
+              <a:rPr lang="en-US" dirty="0"/>
+              <a:t> </a:t>
+            </a:r>
+            <a:r>
+              <a:rPr lang="en-US" dirty="0" err="1"/>
+              <a:t>wartość</a:t>
+            </a:r>
+            <a:r>
+              <a:rPr lang="en-US" dirty="0"/>
+              <a:t> </a:t>
+            </a:r>
+            <a:r>
+              <a:rPr lang="en-US" dirty="0" err="1"/>
+              <a:t>funkcji</a:t>
+            </a:r>
+            <a:r>
+              <a:rPr lang="en-US" dirty="0"/>
+              <a:t> fitness </a:t>
+            </a:r>
+            <a:r>
+              <a:rPr lang="en-US" dirty="0" err="1"/>
+              <a:t>nie</a:t>
+            </a:r>
+            <a:r>
+              <a:rPr lang="en-US" dirty="0"/>
+              <a:t> do </a:t>
+            </a:r>
+            <a:r>
+              <a:rPr lang="en-US" dirty="0" err="1"/>
+              <a:t>końca</a:t>
+            </a:r>
+            <a:r>
+              <a:rPr lang="en-US" dirty="0"/>
+              <a:t> </a:t>
+            </a:r>
+            <a:r>
+              <a:rPr lang="en-US" dirty="0" err="1"/>
+              <a:t>zbiega</a:t>
+            </a:r>
+            <a:r>
+              <a:rPr lang="en-US" dirty="0"/>
+              <a:t> do optimum w </a:t>
+            </a:r>
+            <a:r>
+              <a:rPr lang="en-US" dirty="0" err="1"/>
+              <a:t>dłuższym</a:t>
+            </a:r>
+            <a:r>
+              <a:rPr lang="en-US" dirty="0"/>
+              <a:t> </a:t>
+            </a:r>
+            <a:r>
+              <a:rPr lang="en-US" dirty="0" err="1"/>
+              <a:t>horyzoncie</a:t>
+            </a:r>
+            <a:r>
+              <a:rPr lang="en-US" dirty="0"/>
+              <a:t> </a:t>
+            </a:r>
+            <a:r>
+              <a:rPr lang="en-US" dirty="0" err="1"/>
+              <a:t>czasowym</a:t>
+            </a:r>
+            <a:r>
+              <a:rPr lang="en-US" dirty="0"/>
+              <a:t> – </a:t>
+            </a:r>
+            <a:r>
+              <a:rPr lang="en-US" dirty="0" err="1"/>
+              <a:t>więcej</a:t>
+            </a:r>
+            <a:r>
+              <a:rPr lang="en-US" dirty="0"/>
+              <a:t> </a:t>
+            </a:r>
+            <a:r>
+              <a:rPr lang="en-US" dirty="0" err="1"/>
+              <a:t>generacji</a:t>
+            </a:r>
+            <a:r>
+              <a:rPr lang="en-US" dirty="0"/>
+              <a:t> </a:t>
+            </a:r>
+            <a:r>
+              <a:rPr lang="en-US" dirty="0" err="1"/>
+              <a:t>nie</a:t>
+            </a:r>
+            <a:r>
+              <a:rPr lang="en-US" dirty="0"/>
+              <a:t> </a:t>
+            </a:r>
+            <a:r>
+              <a:rPr lang="en-US" dirty="0" err="1"/>
+              <a:t>daje</a:t>
+            </a:r>
+            <a:r>
+              <a:rPr lang="en-US" dirty="0"/>
+              <a:t> </a:t>
+            </a:r>
+            <a:r>
+              <a:rPr lang="en-US" dirty="0" err="1"/>
+              <a:t>gwarancji</a:t>
+            </a:r>
+            <a:r>
+              <a:rPr lang="en-US" dirty="0"/>
+              <a:t> </a:t>
+            </a:r>
+            <a:r>
+              <a:rPr lang="en-US" dirty="0" err="1"/>
+              <a:t>poprawy</a:t>
+            </a:r>
+            <a:r>
+              <a:rPr lang="en-US" dirty="0"/>
+              <a:t> </a:t>
+            </a:r>
+            <a:r>
+              <a:rPr lang="en-US" dirty="0" err="1"/>
+              <a:t>wyniku</a:t>
+            </a:r>
+            <a:endParaRPr lang="en-US" dirty="0"/>
+          </a:p>
+          <a:p>
+            <a:r>
               <a:rPr lang="en-US" dirty="0" err="1"/>
               <a:t>Różne</a:t>
             </a:r>
@@ -5471,110 +5765,6 @@
             <a:endParaRPr lang="en-US" dirty="0"/>
           </a:p>
           <a:p>
-            <a:r>
-              <a:rPr lang="en-US" dirty="0"/>
-              <a:t>W </a:t>
-            </a:r>
-            <a:r>
-              <a:rPr lang="en-US" dirty="0" err="1"/>
-              <a:t>przypadku</a:t>
-            </a:r>
-            <a:r>
-              <a:rPr lang="en-US" dirty="0"/>
-              <a:t> </a:t>
-            </a:r>
-            <a:r>
-              <a:rPr lang="en-US" dirty="0" err="1"/>
-              <a:t>jednej</a:t>
-            </a:r>
-            <a:r>
-              <a:rPr lang="en-US" dirty="0"/>
-              <a:t> </a:t>
-            </a:r>
-            <a:r>
-              <a:rPr lang="en-US" dirty="0" err="1"/>
-              <a:t>symulacji</a:t>
-            </a:r>
-            <a:r>
-              <a:rPr lang="en-US" dirty="0"/>
-              <a:t> </a:t>
-            </a:r>
-            <a:r>
-              <a:rPr lang="en-US" dirty="0" err="1"/>
-              <a:t>na</a:t>
-            </a:r>
-            <a:r>
-              <a:rPr lang="en-US" dirty="0"/>
-              <a:t> </a:t>
-            </a:r>
-            <a:r>
-              <a:rPr lang="en-US" dirty="0" err="1"/>
-              <a:t>generację</a:t>
-            </a:r>
-            <a:r>
-              <a:rPr lang="en-US" dirty="0"/>
-              <a:t> </a:t>
-            </a:r>
-            <a:r>
-              <a:rPr lang="en-US" dirty="0" err="1"/>
-              <a:t>wartość</a:t>
-            </a:r>
-            <a:r>
-              <a:rPr lang="en-US" dirty="0"/>
-              <a:t> </a:t>
-            </a:r>
-            <a:r>
-              <a:rPr lang="en-US" dirty="0" err="1"/>
-              <a:t>funkcji</a:t>
-            </a:r>
-            <a:r>
-              <a:rPr lang="en-US" dirty="0"/>
-              <a:t> fitness </a:t>
-            </a:r>
-            <a:r>
-              <a:rPr lang="en-US" dirty="0" err="1"/>
-              <a:t>nie</a:t>
-            </a:r>
-            <a:r>
-              <a:rPr lang="en-US" dirty="0"/>
-              <a:t> do </a:t>
-            </a:r>
-            <a:r>
-              <a:rPr lang="en-US" dirty="0" err="1"/>
-              <a:t>końca</a:t>
-            </a:r>
-            <a:r>
-              <a:rPr lang="en-US" dirty="0"/>
-              <a:t> </a:t>
-            </a:r>
-            <a:r>
-              <a:rPr lang="en-US" dirty="0" err="1"/>
-              <a:t>zbiega</a:t>
-            </a:r>
-            <a:r>
-              <a:rPr lang="en-US" dirty="0"/>
-              <a:t> do optimum w </a:t>
-            </a:r>
-            <a:r>
-              <a:rPr lang="en-US" dirty="0" err="1"/>
-              <a:t>dłuższym</a:t>
-            </a:r>
-            <a:r>
-              <a:rPr lang="en-US" dirty="0"/>
-              <a:t> </a:t>
-            </a:r>
-            <a:r>
-              <a:rPr lang="en-US" dirty="0" err="1"/>
-              <a:t>horyzoncie</a:t>
-            </a:r>
-            <a:r>
-              <a:rPr lang="en-US" dirty="0"/>
-              <a:t> </a:t>
-            </a:r>
-            <a:r>
-              <a:rPr lang="en-US" dirty="0" err="1"/>
-              <a:t>czasowym</a:t>
-            </a:r>
             <a:endParaRPr lang="en-150" dirty="0"/>
           </a:p>
         </p:txBody>
@@ -9158,7 +9348,7 @@
         </p:spPr>
         <p:txBody>
           <a:bodyPr>
-            <a:normAutofit/>
+            <a:normAutofit fontScale="92500"/>
           </a:bodyPr>
           <a:lstStyle/>
           <a:p>
@@ -9211,7 +9401,7 @@
             </a:r>
             <a:r>
               <a:rPr lang="en-US" dirty="0"/>
-              <a:t>): 10</a:t>
+              <a:t>): 20</a:t>
             </a:r>
           </a:p>
           <a:p>
@@ -9230,7 +9420,7 @@
             </a:r>
             <a:r>
               <a:rPr lang="en-US" dirty="0"/>
-              <a:t> 60</a:t>
+              <a:t> 100</a:t>
             </a:r>
           </a:p>
           <a:p>
@@ -9289,6 +9479,24 @@
             <a:r>
               <a:rPr lang="en-US" dirty="0"/>
               <a:t>):</a:t>
+            </a:r>
+          </a:p>
+          <a:p>
+            <a:r>
+              <a:rPr lang="en-US" dirty="0"/>
+              <a:t>Best position: [1.57, 0.2, 3.60, 21.50]</a:t>
+            </a:r>
+          </a:p>
+          <a:p>
+            <a:r>
+              <a:rPr lang="en-US" dirty="0"/>
+              <a:t>Best fitness value: 644.8</a:t>
+            </a:r>
+          </a:p>
+          <a:p>
+            <a:r>
+              <a:rPr lang="en-US" dirty="0"/>
+              <a:t>Average particle best fitness value: 672.1</a:t>
             </a:r>
           </a:p>
           <a:p>
